--- a/UW450_DeepLearning.pptx
+++ b/UW450_DeepLearning.pptx
@@ -3355,7 +3355,7 @@
                 <a:spcPct val="100000"/>
               </a:lnSpc>
             </a:pPr>
-            <a:fld id="{0BF0C54E-27C2-4A1D-9F51-988C000A176A}" type="slidenum">
+            <a:fld id="{33A1C8B4-655B-4641-87BC-5C98DA8A642F}" type="slidenum">
               <a:rPr b="0" lang="en-US" sz="1200" spc="-1" strike="noStrike">
                 <a:solidFill>
                   <a:srgbClr val="8b8b8b"/>
@@ -3367,7 +3367,7 @@
                 </a:uFill>
                 <a:latin typeface="Calibri"/>
               </a:rPr>
-              <a:t>1</a:t>
+              <a:t>&lt;number&gt;</a:t>
             </a:fld>
             <a:endParaRPr b="0" lang="en-US" sz="1400" spc="-1" strike="noStrike">
               <a:solidFill>
@@ -3425,21 +3425,7 @@
                 </a:uFill>
                 <a:latin typeface="Calibri"/>
               </a:rPr>
-              <a:t>Click to edit the outline </a:t>
-            </a:r>
-            <a:r>
-              <a:rPr b="0" lang="en-US" sz="2800" spc="-1" strike="noStrike">
-                <a:solidFill>
-                  <a:srgbClr val="000000"/>
-                </a:solidFill>
-                <a:uFill>
-                  <a:solidFill>
-                    <a:srgbClr val="ffffff"/>
-                  </a:solidFill>
-                </a:uFill>
-                <a:latin typeface="Calibri"/>
-              </a:rPr>
-              <a:t>text format</a:t>
+              <a:t>Click to edit the outline text format</a:t>
             </a:r>
             <a:endParaRPr b="0" lang="en-US" sz="2800" spc="-1" strike="noStrike">
               <a:solidFill>
@@ -3614,21 +3600,7 @@
                 </a:uFill>
                 <a:latin typeface="Calibri"/>
               </a:rPr>
-              <a:t>Sixth Outline </a:t>
-            </a:r>
-            <a:r>
-              <a:rPr b="0" lang="en-US" sz="2000" spc="-1" strike="noStrike">
-                <a:solidFill>
-                  <a:srgbClr val="000000"/>
-                </a:solidFill>
-                <a:uFill>
-                  <a:solidFill>
-                    <a:srgbClr val="ffffff"/>
-                  </a:solidFill>
-                </a:uFill>
-                <a:latin typeface="Calibri"/>
-              </a:rPr>
-              <a:t>Level</a:t>
+              <a:t>Sixth Outline Level</a:t>
             </a:r>
             <a:endParaRPr b="0" lang="en-US" sz="2000" spc="-1" strike="noStrike">
               <a:solidFill>
@@ -3663,21 +3635,7 @@
                 </a:uFill>
                 <a:latin typeface="Calibri"/>
               </a:rPr>
-              <a:t>Seventh </a:t>
-            </a:r>
-            <a:r>
-              <a:rPr b="0" lang="en-US" sz="2000" spc="-1" strike="noStrike">
-                <a:solidFill>
-                  <a:srgbClr val="000000"/>
-                </a:solidFill>
-                <a:uFill>
-                  <a:solidFill>
-                    <a:srgbClr val="ffffff"/>
-                  </a:solidFill>
-                </a:uFill>
-                <a:latin typeface="Calibri"/>
-              </a:rPr>
-              <a:t>Outline Level</a:t>
+              <a:t>Seventh Outline Level</a:t>
             </a:r>
             <a:endParaRPr b="0" lang="en-US" sz="2000" spc="-1" strike="noStrike">
               <a:solidFill>
@@ -4482,7 +4440,7 @@
                 <a:spcPct val="100000"/>
               </a:lnSpc>
             </a:pPr>
-            <a:fld id="{27CE6DD4-B47E-46BD-9FF5-E099B9C9CC66}" type="slidenum">
+            <a:fld id="{5A3F621A-E582-4E28-92E3-04ECCFD258D1}" type="slidenum">
               <a:rPr b="0" lang="en-US" sz="1200" spc="-1" strike="noStrike">
                 <a:solidFill>
                   <a:srgbClr val="8b8b8b"/>
@@ -6020,7 +5978,21 @@
                 </a:uFill>
                 <a:latin typeface="Calibri Light"/>
               </a:rPr>
-              <a:t>Data</a:t>
+              <a:t>Da</a:t>
+            </a:r>
+            <a:r>
+              <a:rPr b="0" lang="en-US" sz="4400" spc="-1" strike="noStrike">
+                <a:solidFill>
+                  <a:srgbClr val="000000"/>
+                </a:solidFill>
+                <a:uFill>
+                  <a:solidFill>
+                    <a:srgbClr val="ffffff"/>
+                  </a:solidFill>
+                </a:uFill>
+                <a:latin typeface="Calibri Light"/>
+              </a:rPr>
+              <a:t>ta</a:t>
             </a:r>
             <a:endParaRPr b="0" lang="en-US" sz="1800" spc="-1" strike="noStrike">
               <a:solidFill>
@@ -6328,7 +6300,105 @@
                 </a:uFill>
                 <a:latin typeface="Calibri Light"/>
               </a:rPr>
-              <a:t>Features Selection</a:t>
+              <a:t>Fe</a:t>
+            </a:r>
+            <a:r>
+              <a:rPr b="0" lang="en-US" sz="4400" spc="-1" strike="noStrike">
+                <a:solidFill>
+                  <a:srgbClr val="000000"/>
+                </a:solidFill>
+                <a:uFill>
+                  <a:solidFill>
+                    <a:srgbClr val="ffffff"/>
+                  </a:solidFill>
+                </a:uFill>
+                <a:latin typeface="Calibri Light"/>
+              </a:rPr>
+              <a:t>at</a:t>
+            </a:r>
+            <a:r>
+              <a:rPr b="0" lang="en-US" sz="4400" spc="-1" strike="noStrike">
+                <a:solidFill>
+                  <a:srgbClr val="000000"/>
+                </a:solidFill>
+                <a:uFill>
+                  <a:solidFill>
+                    <a:srgbClr val="ffffff"/>
+                  </a:solidFill>
+                </a:uFill>
+                <a:latin typeface="Calibri Light"/>
+              </a:rPr>
+              <a:t>ur</a:t>
+            </a:r>
+            <a:r>
+              <a:rPr b="0" lang="en-US" sz="4400" spc="-1" strike="noStrike">
+                <a:solidFill>
+                  <a:srgbClr val="000000"/>
+                </a:solidFill>
+                <a:uFill>
+                  <a:solidFill>
+                    <a:srgbClr val="ffffff"/>
+                  </a:solidFill>
+                </a:uFill>
+                <a:latin typeface="Calibri Light"/>
+              </a:rPr>
+              <a:t>es </a:t>
+            </a:r>
+            <a:r>
+              <a:rPr b="0" lang="en-US" sz="4400" spc="-1" strike="noStrike">
+                <a:solidFill>
+                  <a:srgbClr val="000000"/>
+                </a:solidFill>
+                <a:uFill>
+                  <a:solidFill>
+                    <a:srgbClr val="ffffff"/>
+                  </a:solidFill>
+                </a:uFill>
+                <a:latin typeface="Calibri Light"/>
+              </a:rPr>
+              <a:t>Se</a:t>
+            </a:r>
+            <a:r>
+              <a:rPr b="0" lang="en-US" sz="4400" spc="-1" strike="noStrike">
+                <a:solidFill>
+                  <a:srgbClr val="000000"/>
+                </a:solidFill>
+                <a:uFill>
+                  <a:solidFill>
+                    <a:srgbClr val="ffffff"/>
+                  </a:solidFill>
+                </a:uFill>
+                <a:latin typeface="Calibri Light"/>
+              </a:rPr>
+              <a:t>lec</a:t>
+            </a:r>
+            <a:r>
+              <a:rPr b="0" lang="en-US" sz="4400" spc="-1" strike="noStrike">
+                <a:solidFill>
+                  <a:srgbClr val="000000"/>
+                </a:solidFill>
+                <a:uFill>
+                  <a:solidFill>
+                    <a:srgbClr val="ffffff"/>
+                  </a:solidFill>
+                </a:uFill>
+                <a:latin typeface="Calibri Light"/>
+              </a:rPr>
+              <a:t>tio</a:t>
+            </a:r>
+            <a:r>
+              <a:rPr b="0" lang="en-US" sz="4400" spc="-1" strike="noStrike">
+                <a:solidFill>
+                  <a:srgbClr val="000000"/>
+                </a:solidFill>
+                <a:uFill>
+                  <a:solidFill>
+                    <a:srgbClr val="ffffff"/>
+                  </a:solidFill>
+                </a:uFill>
+                <a:latin typeface="Calibri Light"/>
+              </a:rPr>
+              <a:t>n</a:t>
             </a:r>
             <a:endParaRPr b="0" lang="en-US" sz="1800" spc="-1" strike="noStrike">
               <a:solidFill>
@@ -6529,7 +6599,273 @@
                 </a:uFill>
                 <a:latin typeface="Calibri Light"/>
               </a:rPr>
-              <a:t>Features Engineering</a:t>
+              <a:t>F</a:t>
+            </a:r>
+            <a:r>
+              <a:rPr b="0" lang="en-US" sz="4400" spc="-1" strike="noStrike">
+                <a:solidFill>
+                  <a:srgbClr val="000000"/>
+                </a:solidFill>
+                <a:uFill>
+                  <a:solidFill>
+                    <a:srgbClr val="ffffff"/>
+                  </a:solidFill>
+                </a:uFill>
+                <a:latin typeface="Calibri Light"/>
+              </a:rPr>
+              <a:t>e</a:t>
+            </a:r>
+            <a:r>
+              <a:rPr b="0" lang="en-US" sz="4400" spc="-1" strike="noStrike">
+                <a:solidFill>
+                  <a:srgbClr val="000000"/>
+                </a:solidFill>
+                <a:uFill>
+                  <a:solidFill>
+                    <a:srgbClr val="ffffff"/>
+                  </a:solidFill>
+                </a:uFill>
+                <a:latin typeface="Calibri Light"/>
+              </a:rPr>
+              <a:t>a</a:t>
+            </a:r>
+            <a:r>
+              <a:rPr b="0" lang="en-US" sz="4400" spc="-1" strike="noStrike">
+                <a:solidFill>
+                  <a:srgbClr val="000000"/>
+                </a:solidFill>
+                <a:uFill>
+                  <a:solidFill>
+                    <a:srgbClr val="ffffff"/>
+                  </a:solidFill>
+                </a:uFill>
+                <a:latin typeface="Calibri Light"/>
+              </a:rPr>
+              <a:t>t</a:t>
+            </a:r>
+            <a:r>
+              <a:rPr b="0" lang="en-US" sz="4400" spc="-1" strike="noStrike">
+                <a:solidFill>
+                  <a:srgbClr val="000000"/>
+                </a:solidFill>
+                <a:uFill>
+                  <a:solidFill>
+                    <a:srgbClr val="ffffff"/>
+                  </a:solidFill>
+                </a:uFill>
+                <a:latin typeface="Calibri Light"/>
+              </a:rPr>
+              <a:t>u</a:t>
+            </a:r>
+            <a:r>
+              <a:rPr b="0" lang="en-US" sz="4400" spc="-1" strike="noStrike">
+                <a:solidFill>
+                  <a:srgbClr val="000000"/>
+                </a:solidFill>
+                <a:uFill>
+                  <a:solidFill>
+                    <a:srgbClr val="ffffff"/>
+                  </a:solidFill>
+                </a:uFill>
+                <a:latin typeface="Calibri Light"/>
+              </a:rPr>
+              <a:t>r</a:t>
+            </a:r>
+            <a:r>
+              <a:rPr b="0" lang="en-US" sz="4400" spc="-1" strike="noStrike">
+                <a:solidFill>
+                  <a:srgbClr val="000000"/>
+                </a:solidFill>
+                <a:uFill>
+                  <a:solidFill>
+                    <a:srgbClr val="ffffff"/>
+                  </a:solidFill>
+                </a:uFill>
+                <a:latin typeface="Calibri Light"/>
+              </a:rPr>
+              <a:t>e</a:t>
+            </a:r>
+            <a:r>
+              <a:rPr b="0" lang="en-US" sz="4400" spc="-1" strike="noStrike">
+                <a:solidFill>
+                  <a:srgbClr val="000000"/>
+                </a:solidFill>
+                <a:uFill>
+                  <a:solidFill>
+                    <a:srgbClr val="ffffff"/>
+                  </a:solidFill>
+                </a:uFill>
+                <a:latin typeface="Calibri Light"/>
+              </a:rPr>
+              <a:t>s</a:t>
+            </a:r>
+            <a:r>
+              <a:rPr b="0" lang="en-US" sz="4400" spc="-1" strike="noStrike">
+                <a:solidFill>
+                  <a:srgbClr val="000000"/>
+                </a:solidFill>
+                <a:uFill>
+                  <a:solidFill>
+                    <a:srgbClr val="ffffff"/>
+                  </a:solidFill>
+                </a:uFill>
+                <a:latin typeface="Calibri Light"/>
+              </a:rPr>
+              <a:t> </a:t>
+            </a:r>
+            <a:r>
+              <a:rPr b="0" lang="en-US" sz="4400" spc="-1" strike="noStrike">
+                <a:solidFill>
+                  <a:srgbClr val="000000"/>
+                </a:solidFill>
+                <a:uFill>
+                  <a:solidFill>
+                    <a:srgbClr val="ffffff"/>
+                  </a:solidFill>
+                </a:uFill>
+                <a:latin typeface="Calibri Light"/>
+              </a:rPr>
+              <a:t>E</a:t>
+            </a:r>
+            <a:r>
+              <a:rPr b="0" lang="en-US" sz="4400" spc="-1" strike="noStrike">
+                <a:solidFill>
+                  <a:srgbClr val="000000"/>
+                </a:solidFill>
+                <a:uFill>
+                  <a:solidFill>
+                    <a:srgbClr val="ffffff"/>
+                  </a:solidFill>
+                </a:uFill>
+                <a:latin typeface="Calibri Light"/>
+              </a:rPr>
+              <a:t>n</a:t>
+            </a:r>
+            <a:r>
+              <a:rPr b="0" lang="en-US" sz="4400" spc="-1" strike="noStrike">
+                <a:solidFill>
+                  <a:srgbClr val="000000"/>
+                </a:solidFill>
+                <a:uFill>
+                  <a:solidFill>
+                    <a:srgbClr val="ffffff"/>
+                  </a:solidFill>
+                </a:uFill>
+                <a:latin typeface="Calibri Light"/>
+              </a:rPr>
+              <a:t>g</a:t>
+            </a:r>
+            <a:r>
+              <a:rPr b="0" lang="en-US" sz="4400" spc="-1" strike="noStrike">
+                <a:solidFill>
+                  <a:srgbClr val="000000"/>
+                </a:solidFill>
+                <a:uFill>
+                  <a:solidFill>
+                    <a:srgbClr val="ffffff"/>
+                  </a:solidFill>
+                </a:uFill>
+                <a:latin typeface="Calibri Light"/>
+              </a:rPr>
+              <a:t>i</a:t>
+            </a:r>
+            <a:r>
+              <a:rPr b="0" lang="en-US" sz="4400" spc="-1" strike="noStrike">
+                <a:solidFill>
+                  <a:srgbClr val="000000"/>
+                </a:solidFill>
+                <a:uFill>
+                  <a:solidFill>
+                    <a:srgbClr val="ffffff"/>
+                  </a:solidFill>
+                </a:uFill>
+                <a:latin typeface="Calibri Light"/>
+              </a:rPr>
+              <a:t>n</a:t>
+            </a:r>
+            <a:r>
+              <a:rPr b="0" lang="en-US" sz="4400" spc="-1" strike="noStrike">
+                <a:solidFill>
+                  <a:srgbClr val="000000"/>
+                </a:solidFill>
+                <a:uFill>
+                  <a:solidFill>
+                    <a:srgbClr val="ffffff"/>
+                  </a:solidFill>
+                </a:uFill>
+                <a:latin typeface="Calibri Light"/>
+              </a:rPr>
+              <a:t>e</a:t>
+            </a:r>
+            <a:r>
+              <a:rPr b="0" lang="en-US" sz="4400" spc="-1" strike="noStrike">
+                <a:solidFill>
+                  <a:srgbClr val="000000"/>
+                </a:solidFill>
+                <a:uFill>
+                  <a:solidFill>
+                    <a:srgbClr val="ffffff"/>
+                  </a:solidFill>
+                </a:uFill>
+                <a:latin typeface="Calibri Light"/>
+              </a:rPr>
+              <a:t>e</a:t>
+            </a:r>
+            <a:r>
+              <a:rPr b="0" lang="en-US" sz="4400" spc="-1" strike="noStrike">
+                <a:solidFill>
+                  <a:srgbClr val="000000"/>
+                </a:solidFill>
+                <a:uFill>
+                  <a:solidFill>
+                    <a:srgbClr val="ffffff"/>
+                  </a:solidFill>
+                </a:uFill>
+                <a:latin typeface="Calibri Light"/>
+              </a:rPr>
+              <a:t>r</a:t>
+            </a:r>
+            <a:r>
+              <a:rPr b="0" lang="en-US" sz="4400" spc="-1" strike="noStrike">
+                <a:solidFill>
+                  <a:srgbClr val="000000"/>
+                </a:solidFill>
+                <a:uFill>
+                  <a:solidFill>
+                    <a:srgbClr val="ffffff"/>
+                  </a:solidFill>
+                </a:uFill>
+                <a:latin typeface="Calibri Light"/>
+              </a:rPr>
+              <a:t>i</a:t>
+            </a:r>
+            <a:r>
+              <a:rPr b="0" lang="en-US" sz="4400" spc="-1" strike="noStrike">
+                <a:solidFill>
+                  <a:srgbClr val="000000"/>
+                </a:solidFill>
+                <a:uFill>
+                  <a:solidFill>
+                    <a:srgbClr val="ffffff"/>
+                  </a:solidFill>
+                </a:uFill>
+                <a:latin typeface="Calibri Light"/>
+              </a:rPr>
+              <a:t>n</a:t>
+            </a:r>
+            <a:r>
+              <a:rPr b="0" lang="en-US" sz="4400" spc="-1" strike="noStrike">
+                <a:solidFill>
+                  <a:srgbClr val="000000"/>
+                </a:solidFill>
+                <a:uFill>
+                  <a:solidFill>
+                    <a:srgbClr val="ffffff"/>
+                  </a:solidFill>
+                </a:uFill>
+                <a:latin typeface="Calibri Light"/>
+              </a:rPr>
+              <a:t>g</a:t>
             </a:r>
             <a:endParaRPr b="0" lang="en-US" sz="1800" spc="-1" strike="noStrike">
               <a:solidFill>
